--- a/docs/Guardrails Presentation.pptx
+++ b/docs/Guardrails Presentation.pptx
@@ -1,6 +1,6 @@
 
 <file path=ppt/presentation.xml><?xml version="1.0" encoding="utf-8"?>
-<p:presentation xmlns:a="http://schemas.openxmlformats.org/drawingml/2006/main" xmlns:r="http://schemas.openxmlformats.org/officeDocument/2006/relationships" xmlns:p="http://schemas.openxmlformats.org/presentationml/2006/main">
+<p:presentation xmlns:a="http://schemas.openxmlformats.org/drawingml/2006/main" xmlns:r="http://schemas.openxmlformats.org/officeDocument/2006/relationships" xmlns:p="http://schemas.openxmlformats.org/presentationml/2006/main" firstSlideNum="0">
   <p:sldMasterIdLst>
     <p:sldMasterId id="2147483648" r:id="rId1"/>
   </p:sldMasterIdLst>
@@ -584,7 +584,7 @@
           <a:p>
             <a:fld id="{02257EDD-7DB8-41D2-85A8-A724538CBAB1}" type="slidenum">
               <a:rPr lang="zh-CN" altLang="en-US" smtClean="0"/>
-              <a:t>1</a:t>
+              <a:t>0</a:t>
             </a:fld>
             <a:endParaRPr lang="zh-CN" altLang="en-US"/>
           </a:p>
@@ -708,7 +708,7 @@
                 <a:ea typeface="宋体" panose="02010600030101010101" pitchFamily="2" charset="-122"/>
                 <a:cs typeface="+mn-cs"/>
               </a:rPr>
-              <a:t>10</a:t>
+              <a:t>9</a:t>
             </a:fld>
             <a:endParaRPr kumimoji="0" lang="zh-CN" altLang="en-US" sz="1200" b="0" i="0" u="none" strike="noStrike" kern="1200" cap="none" spc="0" normalizeH="0" baseline="0" noProof="0">
               <a:ln>
@@ -836,7 +836,7 @@
                 <a:ea typeface="宋体" panose="02010600030101010101" pitchFamily="2" charset="-122"/>
                 <a:cs typeface="+mn-cs"/>
               </a:rPr>
-              <a:t>11</a:t>
+              <a:t>10</a:t>
             </a:fld>
             <a:endParaRPr kumimoji="0" lang="zh-CN" altLang="en-US" sz="1200" b="0" i="0" u="none" strike="noStrike" kern="1200" cap="none" spc="0" normalizeH="0" baseline="0" noProof="0">
               <a:ln>
@@ -961,7 +961,7 @@
                 <a:ea typeface="宋体" panose="02010600030101010101" pitchFamily="2" charset="-122"/>
                 <a:cs typeface="+mn-cs"/>
               </a:rPr>
-              <a:t>12</a:t>
+              <a:t>11</a:t>
             </a:fld>
             <a:endParaRPr kumimoji="0" lang="zh-CN" altLang="en-US" sz="1200" b="0" i="0" u="none" strike="noStrike" kern="1200" cap="none" spc="0" normalizeH="0" baseline="0" noProof="0">
               <a:ln>
@@ -1086,7 +1086,7 @@
                 <a:ea typeface="宋体" panose="02010600030101010101" pitchFamily="2" charset="-122"/>
                 <a:cs typeface="+mn-cs"/>
               </a:rPr>
-              <a:t>13</a:t>
+              <a:t>12</a:t>
             </a:fld>
             <a:endParaRPr kumimoji="0" lang="zh-CN" altLang="en-US" sz="1200" b="0" i="0" u="none" strike="noStrike" kern="1200" cap="none" spc="0" normalizeH="0" baseline="0" noProof="0">
               <a:ln>
@@ -1235,7 +1235,7 @@
                 <a:ea typeface="宋体" panose="02010600030101010101" pitchFamily="2" charset="-122"/>
                 <a:cs typeface="+mn-cs"/>
               </a:rPr>
-              <a:t>14</a:t>
+              <a:t>13</a:t>
             </a:fld>
             <a:endParaRPr kumimoji="0" lang="zh-CN" altLang="en-US" sz="1200" b="0" i="0" u="none" strike="noStrike" kern="1200" cap="none" spc="0" normalizeH="0" baseline="0" noProof="0">
               <a:ln>
@@ -1365,7 +1365,7 @@
                 <a:ea typeface="宋体" panose="02010600030101010101" pitchFamily="2" charset="-122"/>
                 <a:cs typeface="+mn-cs"/>
               </a:rPr>
-              <a:t>15</a:t>
+              <a:t>14</a:t>
             </a:fld>
             <a:endParaRPr kumimoji="0" lang="zh-CN" altLang="en-US" sz="1200" b="0" i="0" u="none" strike="noStrike" kern="1200" cap="none" spc="0" normalizeH="0" baseline="0" noProof="0">
               <a:ln>
@@ -2380,7 +2380,7 @@
                 <a:ea typeface="宋体" panose="02010600030101010101" pitchFamily="2" charset="-122"/>
                 <a:cs typeface="+mn-cs"/>
               </a:rPr>
-              <a:t>2</a:t>
+              <a:t>1</a:t>
             </a:fld>
             <a:endParaRPr kumimoji="0" lang="zh-CN" altLang="en-US" sz="1200" b="0" i="0" u="none" strike="noStrike" kern="1200" cap="none" spc="0" normalizeH="0" baseline="0" noProof="0">
               <a:ln>
@@ -2505,7 +2505,7 @@
                 <a:ea typeface="宋体" panose="02010600030101010101" pitchFamily="2" charset="-122"/>
                 <a:cs typeface="+mn-cs"/>
               </a:rPr>
-              <a:t>3</a:t>
+              <a:t>2</a:t>
             </a:fld>
             <a:endParaRPr kumimoji="0" lang="zh-CN" altLang="en-US" sz="1200" b="0" i="0" u="none" strike="noStrike" kern="1200" cap="none" spc="0" normalizeH="0" baseline="0" noProof="0">
               <a:ln>
@@ -3031,7 +3031,7 @@
                 <a:ea typeface="宋体" panose="02010600030101010101" pitchFamily="2" charset="-122"/>
                 <a:cs typeface="+mn-cs"/>
               </a:rPr>
-              <a:t>4</a:t>
+              <a:t>3</a:t>
             </a:fld>
             <a:endParaRPr kumimoji="0" lang="zh-CN" altLang="en-US" sz="1200" b="0" i="0" u="none" strike="noStrike" kern="1200" cap="none" spc="0" normalizeH="0" baseline="0" noProof="0">
               <a:ln>
@@ -3179,7 +3179,7 @@
                 <a:ea typeface="宋体" panose="02010600030101010101" pitchFamily="2" charset="-122"/>
                 <a:cs typeface="+mn-cs"/>
               </a:rPr>
-              <a:t>5</a:t>
+              <a:t>4</a:t>
             </a:fld>
             <a:endParaRPr kumimoji="0" lang="zh-CN" altLang="en-US" sz="1200" b="0" i="0" u="none" strike="noStrike" kern="1200" cap="none" spc="0" normalizeH="0" baseline="0" noProof="0">
               <a:ln>
@@ -3309,7 +3309,7 @@
                 <a:ea typeface="宋体" panose="02010600030101010101" pitchFamily="2" charset="-122"/>
                 <a:cs typeface="+mn-cs"/>
               </a:rPr>
-              <a:t>6</a:t>
+              <a:t>5</a:t>
             </a:fld>
             <a:endParaRPr kumimoji="0" lang="zh-CN" altLang="en-US" sz="1200" b="0" i="0" u="none" strike="noStrike" kern="1200" cap="none" spc="0" normalizeH="0" baseline="0" noProof="0">
               <a:ln>
@@ -3446,7 +3446,7 @@
                 <a:ea typeface="宋体" panose="02010600030101010101" pitchFamily="2" charset="-122"/>
                 <a:cs typeface="+mn-cs"/>
               </a:rPr>
-              <a:t>7</a:t>
+              <a:t>6</a:t>
             </a:fld>
             <a:endParaRPr kumimoji="0" lang="zh-CN" altLang="en-US" sz="1200" b="0" i="0" u="none" strike="noStrike" kern="1200" cap="none" spc="0" normalizeH="0" baseline="0" noProof="0">
               <a:ln>
@@ -3571,7 +3571,7 @@
                 <a:ea typeface="宋体" panose="02010600030101010101" pitchFamily="2" charset="-122"/>
                 <a:cs typeface="+mn-cs"/>
               </a:rPr>
-              <a:t>8</a:t>
+              <a:t>7</a:t>
             </a:fld>
             <a:endParaRPr kumimoji="0" lang="zh-CN" altLang="en-US" sz="1200" b="0" i="0" u="none" strike="noStrike" kern="1200" cap="none" spc="0" normalizeH="0" baseline="0" noProof="0">
               <a:ln>
@@ -3696,7 +3696,7 @@
                 <a:ea typeface="宋体" panose="02010600030101010101" pitchFamily="2" charset="-122"/>
                 <a:cs typeface="+mn-cs"/>
               </a:rPr>
-              <a:t>9</a:t>
+              <a:t>8</a:t>
             </a:fld>
             <a:endParaRPr kumimoji="0" lang="zh-CN" altLang="en-US" sz="1200" b="0" i="0" u="none" strike="noStrike" kern="1200" cap="none" spc="0" normalizeH="0" baseline="0" noProof="0">
               <a:ln>
@@ -3857,8 +3857,8 @@
             <a:pPr>
               <a:defRPr/>
             </a:pPr>
-            <a:fld id="{8F29C054-22FA-404E-8AFD-F8DB492C4C91}" type="datetimeFigureOut">
-              <a:rPr lang="zh-CN" altLang="en-US"/>
+            <a:fld id="{22CB6730-C446-4151-B2E9-440252B17A94}" type="datetime1">
+              <a:rPr lang="zh-CN" altLang="en-US" smtClean="0"/>
               <a:t>2025/3/26</a:t>
             </a:fld>
             <a:endParaRPr lang="zh-CN" altLang="en-US"/>
@@ -4038,8 +4038,8 @@
             <a:pPr>
               <a:defRPr/>
             </a:pPr>
-            <a:fld id="{86C5D6C4-B03E-47BB-856D-9FFA318B0DB5}" type="datetimeFigureOut">
-              <a:rPr lang="zh-CN" altLang="en-US"/>
+            <a:fld id="{565E30CD-7E12-47F1-AC70-180172464812}" type="datetime1">
+              <a:rPr lang="zh-CN" altLang="en-US" smtClean="0"/>
               <a:t>2025/3/26</a:t>
             </a:fld>
             <a:endParaRPr lang="zh-CN" altLang="en-US"/>
@@ -4229,8 +4229,8 @@
             <a:pPr>
               <a:defRPr/>
             </a:pPr>
-            <a:fld id="{935F68E8-6260-47C1-95B7-B11F30F3A233}" type="datetimeFigureOut">
-              <a:rPr lang="zh-CN" altLang="en-US"/>
+            <a:fld id="{2FA71B37-2046-4747-86F3-A9C10A74F609}" type="datetime1">
+              <a:rPr lang="zh-CN" altLang="en-US" smtClean="0"/>
               <a:t>2025/3/26</a:t>
             </a:fld>
             <a:endParaRPr lang="zh-CN" altLang="en-US"/>
@@ -4410,8 +4410,8 @@
             <a:pPr>
               <a:defRPr/>
             </a:pPr>
-            <a:fld id="{B95C5586-4765-46AA-A3B4-DA46365CEC6A}" type="datetimeFigureOut">
-              <a:rPr lang="zh-CN" altLang="en-US"/>
+            <a:fld id="{CE2F4A64-56AF-42AD-802D-E9193A32CA2A}" type="datetime1">
+              <a:rPr lang="zh-CN" altLang="en-US" smtClean="0"/>
               <a:t>2025/3/26</a:t>
             </a:fld>
             <a:endParaRPr lang="zh-CN" altLang="en-US"/>
@@ -4668,8 +4668,8 @@
             <a:pPr>
               <a:defRPr/>
             </a:pPr>
-            <a:fld id="{0D5C7688-190C-4ACB-A3D9-231F282A02DE}" type="datetimeFigureOut">
-              <a:rPr lang="zh-CN" altLang="en-US"/>
+            <a:fld id="{AADD25A7-EDA8-4368-913E-E4E82B2A1423}" type="datetime1">
+              <a:rPr lang="zh-CN" altLang="en-US" smtClean="0"/>
               <a:t>2025/3/26</a:t>
             </a:fld>
             <a:endParaRPr lang="zh-CN" altLang="en-US"/>
@@ -4910,8 +4910,8 @@
             <a:pPr>
               <a:defRPr/>
             </a:pPr>
-            <a:fld id="{DDD151FB-8AAA-4FE9-A1EA-741B5941909E}" type="datetimeFigureOut">
-              <a:rPr lang="zh-CN" altLang="en-US"/>
+            <a:fld id="{75533B37-A6D8-4402-AE06-0271E4018E3D}" type="datetime1">
+              <a:rPr lang="zh-CN" altLang="en-US" smtClean="0"/>
               <a:t>2025/3/26</a:t>
             </a:fld>
             <a:endParaRPr lang="zh-CN" altLang="en-US"/>
@@ -5287,8 +5287,8 @@
             <a:pPr>
               <a:defRPr/>
             </a:pPr>
-            <a:fld id="{3286F8A1-6382-4FA9-97FF-94C6EF12A773}" type="datetimeFigureOut">
-              <a:rPr lang="zh-CN" altLang="en-US"/>
+            <a:fld id="{E82A3ED1-D01C-48C2-B036-B56706F42A78}" type="datetime1">
+              <a:rPr lang="zh-CN" altLang="en-US" smtClean="0"/>
               <a:t>2025/3/26</a:t>
             </a:fld>
             <a:endParaRPr lang="zh-CN" altLang="en-US"/>
@@ -5417,8 +5417,8 @@
             <a:pPr>
               <a:defRPr/>
             </a:pPr>
-            <a:fld id="{D7537A96-75C8-4E1B-9D25-ADAC0AEB41DD}" type="datetimeFigureOut">
-              <a:rPr lang="zh-CN" altLang="en-US"/>
+            <a:fld id="{247299FE-E18A-4157-955F-03F24F3E346C}" type="datetime1">
+              <a:rPr lang="zh-CN" altLang="en-US" smtClean="0"/>
               <a:t>2025/3/26</a:t>
             </a:fld>
             <a:endParaRPr lang="zh-CN" altLang="en-US"/>
@@ -5525,8 +5525,8 @@
             <a:pPr>
               <a:defRPr/>
             </a:pPr>
-            <a:fld id="{D80D66AF-F34E-4301-8B61-1E2E2BD7D19C}" type="datetimeFigureOut">
-              <a:rPr lang="zh-CN" altLang="en-US"/>
+            <a:fld id="{25996FBB-3A49-4BB7-B121-4A413934B97B}" type="datetime1">
+              <a:rPr lang="zh-CN" altLang="en-US" smtClean="0"/>
               <a:t>2025/3/26</a:t>
             </a:fld>
             <a:endParaRPr lang="zh-CN" altLang="en-US"/>
@@ -5813,8 +5813,8 @@
             <a:pPr>
               <a:defRPr/>
             </a:pPr>
-            <a:fld id="{FECFA20D-F03A-4496-8E5B-2546E0283B28}" type="datetimeFigureOut">
-              <a:rPr lang="zh-CN" altLang="en-US"/>
+            <a:fld id="{76F0AD29-42FF-4AFE-8B1F-85EFA581E63B}" type="datetime1">
+              <a:rPr lang="zh-CN" altLang="en-US" smtClean="0"/>
               <a:t>2025/3/26</a:t>
             </a:fld>
             <a:endParaRPr lang="zh-CN" altLang="en-US"/>
@@ -6081,8 +6081,8 @@
             <a:pPr>
               <a:defRPr/>
             </a:pPr>
-            <a:fld id="{0CC79AB6-A906-417E-AB67-8060FFCB2E6D}" type="datetimeFigureOut">
-              <a:rPr lang="zh-CN" altLang="en-US"/>
+            <a:fld id="{11375BA1-0C87-4614-B8D0-81A783A6C30E}" type="datetime1">
+              <a:rPr lang="zh-CN" altLang="en-US" smtClean="0"/>
               <a:t>2025/3/26</a:t>
             </a:fld>
             <a:endParaRPr lang="zh-CN" altLang="en-US"/>
@@ -6352,8 +6352,8 @@
             <a:pPr>
               <a:defRPr/>
             </a:pPr>
-            <a:fld id="{880AC5F5-0BC5-4382-AA5C-66CAA18E2FAA}" type="datetimeFigureOut">
-              <a:rPr lang="zh-CN" altLang="en-US"/>
+            <a:fld id="{66707BEB-31AE-4A8F-8F14-F8D7EC343AE3}" type="datetime1">
+              <a:rPr lang="zh-CN" altLang="en-US" smtClean="0"/>
               <a:t>2025/3/26</a:t>
             </a:fld>
             <a:endParaRPr lang="zh-CN" altLang="en-US"/>
@@ -6463,6 +6463,7 @@
     <p:sldLayoutId id="2147483658" r:id="rId10"/>
     <p:sldLayoutId id="2147483659" r:id="rId11"/>
   </p:sldLayoutIdLst>
+  <p:hf hdr="0" ftr="0" dt="0"/>
   <p:txStyles>
     <p:titleStyle>
       <a:lvl1pPr algn="l" rtl="0" fontAlgn="base">
@@ -19347,6 +19348,35 @@
           </a:prstGeom>
         </p:spPr>
       </p:pic>
+      <p:sp>
+        <p:nvSpPr>
+          <p:cNvPr id="6" name="灯片编号占位符 5">
+            <a:extLst>
+              <a:ext uri="{FF2B5EF4-FFF2-40B4-BE49-F238E27FC236}">
+                <a16:creationId xmlns:a16="http://schemas.microsoft.com/office/drawing/2014/main" id="{6EDD4CFC-9A83-797B-FC38-FC2DCF3A5E92}"/>
+              </a:ext>
+            </a:extLst>
+          </p:cNvPr>
+          <p:cNvSpPr>
+            <a:spLocks noGrp="1"/>
+          </p:cNvSpPr>
+          <p:nvPr>
+            <p:ph type="sldNum" sz="quarter" idx="12"/>
+          </p:nvPr>
+        </p:nvSpPr>
+        <p:spPr/>
+        <p:txBody>
+          <a:bodyPr/>
+          <a:lstStyle/>
+          <a:p>
+            <a:fld id="{B2587B05-1B86-48B9-84AF-9C53F3E18981}" type="slidenum">
+              <a:rPr lang="zh-CN" altLang="en-US" smtClean="0"/>
+              <a:t>9</a:t>
+            </a:fld>
+            <a:endParaRPr lang="zh-CN" altLang="en-US"/>
+          </a:p>
+        </p:txBody>
+      </p:sp>
     </p:spTree>
   </p:cSld>
   <p:clrMapOvr>
@@ -20182,6 +20212,35 @@
           </a:p>
         </p:txBody>
       </p:sp>
+      <p:sp>
+        <p:nvSpPr>
+          <p:cNvPr id="10" name="灯片编号占位符 9">
+            <a:extLst>
+              <a:ext uri="{FF2B5EF4-FFF2-40B4-BE49-F238E27FC236}">
+                <a16:creationId xmlns:a16="http://schemas.microsoft.com/office/drawing/2014/main" id="{CC4B26B4-76E4-E5E4-A391-A4C9264E03CF}"/>
+              </a:ext>
+            </a:extLst>
+          </p:cNvPr>
+          <p:cNvSpPr>
+            <a:spLocks noGrp="1"/>
+          </p:cNvSpPr>
+          <p:nvPr>
+            <p:ph type="sldNum" sz="quarter" idx="12"/>
+          </p:nvPr>
+        </p:nvSpPr>
+        <p:spPr/>
+        <p:txBody>
+          <a:bodyPr/>
+          <a:lstStyle/>
+          <a:p>
+            <a:fld id="{B2587B05-1B86-48B9-84AF-9C53F3E18981}" type="slidenum">
+              <a:rPr lang="zh-CN" altLang="en-US" smtClean="0"/>
+              <a:t>10</a:t>
+            </a:fld>
+            <a:endParaRPr lang="zh-CN" altLang="en-US"/>
+          </a:p>
+        </p:txBody>
+      </p:sp>
     </p:spTree>
   </p:cSld>
   <p:clrMapOvr>
@@ -20992,6 +21051,35 @@
           </a:graphicData>
         </a:graphic>
       </p:graphicFrame>
+      <p:sp>
+        <p:nvSpPr>
+          <p:cNvPr id="7" name="灯片编号占位符 6">
+            <a:extLst>
+              <a:ext uri="{FF2B5EF4-FFF2-40B4-BE49-F238E27FC236}">
+                <a16:creationId xmlns:a16="http://schemas.microsoft.com/office/drawing/2014/main" id="{22397D68-9D9D-86F9-2319-8614281D968E}"/>
+              </a:ext>
+            </a:extLst>
+          </p:cNvPr>
+          <p:cNvSpPr>
+            <a:spLocks noGrp="1"/>
+          </p:cNvSpPr>
+          <p:nvPr>
+            <p:ph type="sldNum" sz="quarter" idx="12"/>
+          </p:nvPr>
+        </p:nvSpPr>
+        <p:spPr/>
+        <p:txBody>
+          <a:bodyPr/>
+          <a:lstStyle/>
+          <a:p>
+            <a:fld id="{B2587B05-1B86-48B9-84AF-9C53F3E18981}" type="slidenum">
+              <a:rPr lang="zh-CN" altLang="en-US" smtClean="0"/>
+              <a:t>11</a:t>
+            </a:fld>
+            <a:endParaRPr lang="zh-CN" altLang="en-US"/>
+          </a:p>
+        </p:txBody>
+      </p:sp>
     </p:spTree>
   </p:cSld>
   <p:clrMapOvr>
@@ -21673,6 +21761,35 @@
               </a:rPr>
               <a:t>Feedback loops may be slow, leading to delayed adjustments in the guardrail system.</a:t>
             </a:r>
+          </a:p>
+        </p:txBody>
+      </p:sp>
+      <p:sp>
+        <p:nvSpPr>
+          <p:cNvPr id="6" name="灯片编号占位符 5">
+            <a:extLst>
+              <a:ext uri="{FF2B5EF4-FFF2-40B4-BE49-F238E27FC236}">
+                <a16:creationId xmlns:a16="http://schemas.microsoft.com/office/drawing/2014/main" id="{55DA9C65-B6C6-3E87-86C3-7A9A9B45B621}"/>
+              </a:ext>
+            </a:extLst>
+          </p:cNvPr>
+          <p:cNvSpPr>
+            <a:spLocks noGrp="1"/>
+          </p:cNvSpPr>
+          <p:nvPr>
+            <p:ph type="sldNum" sz="quarter" idx="12"/>
+          </p:nvPr>
+        </p:nvSpPr>
+        <p:spPr/>
+        <p:txBody>
+          <a:bodyPr/>
+          <a:lstStyle/>
+          <a:p>
+            <a:fld id="{B2587B05-1B86-48B9-84AF-9C53F3E18981}" type="slidenum">
+              <a:rPr lang="zh-CN" altLang="en-US" smtClean="0"/>
+              <a:t>12</a:t>
+            </a:fld>
+            <a:endParaRPr lang="zh-CN" altLang="en-US"/>
           </a:p>
         </p:txBody>
       </p:sp>
@@ -22918,6 +23035,35 @@
           </a:graphicData>
         </a:graphic>
       </p:graphicFrame>
+      <p:sp>
+        <p:nvSpPr>
+          <p:cNvPr id="7" name="灯片编号占位符 6">
+            <a:extLst>
+              <a:ext uri="{FF2B5EF4-FFF2-40B4-BE49-F238E27FC236}">
+                <a16:creationId xmlns:a16="http://schemas.microsoft.com/office/drawing/2014/main" id="{6F72DC16-6B2C-4395-6F8B-535487420BEE}"/>
+              </a:ext>
+            </a:extLst>
+          </p:cNvPr>
+          <p:cNvSpPr>
+            <a:spLocks noGrp="1"/>
+          </p:cNvSpPr>
+          <p:nvPr>
+            <p:ph type="sldNum" sz="quarter" idx="12"/>
+          </p:nvPr>
+        </p:nvSpPr>
+        <p:spPr/>
+        <p:txBody>
+          <a:bodyPr/>
+          <a:lstStyle/>
+          <a:p>
+            <a:fld id="{B2587B05-1B86-48B9-84AF-9C53F3E18981}" type="slidenum">
+              <a:rPr lang="zh-CN" altLang="en-US" smtClean="0"/>
+              <a:t>13</a:t>
+            </a:fld>
+            <a:endParaRPr lang="zh-CN" altLang="en-US"/>
+          </a:p>
+        </p:txBody>
+      </p:sp>
     </p:spTree>
     <p:extLst>
       <p:ext uri="{BB962C8B-B14F-4D97-AF65-F5344CB8AC3E}">
@@ -23260,7 +23406,7 @@
                 <a:ea typeface="Calibri Light" panose="020F0302020204030204" pitchFamily="34" charset="0"/>
                 <a:cs typeface="Calibri Light" panose="020F0302020204030204" pitchFamily="34" charset="0"/>
               </a:rPr>
-              <a:t>In this practice, I propose an overall solution for guardrails of LLM so as to improve the safety, reliability, and ethical alignment of language model interactions. This solution encompasses four guardrails. Three of them are for input check and one for output check which verify the input and output simulations. </a:t>
+              <a:t>In this practice, I propose an overall solution for guardrails of LLM so as to improve the safety, reliability, and ethical alignment of language model interactions. This solution encompasses four guardrails. Three of them are for input check and one for output check which verify the input and output simultaneously. </a:t>
             </a:r>
           </a:p>
           <a:p>
@@ -23278,7 +23424,23 @@
                 <a:ea typeface="Calibri Light" panose="020F0302020204030204" pitchFamily="34" charset="0"/>
                 <a:cs typeface="Calibri Light" panose="020F0302020204030204" pitchFamily="34" charset="0"/>
               </a:rPr>
-              <a:t>this In this practice, I demonstrate my problem-solving abilities and deep technical expertise in working with LLMs. I utilize advanced techniques such as prompt engineering, </a:t>
+              <a:t>This pack demonstrates my problem-solving abilities and deep technical </a:t>
+            </a:r>
+            <a:r>
+              <a:rPr lang="en-US" altLang="zh-CN" dirty="0" err="1">
+                <a:latin typeface="Calibri Light" panose="020F0302020204030204" pitchFamily="34" charset="0"/>
+                <a:ea typeface="Calibri Light" panose="020F0302020204030204" pitchFamily="34" charset="0"/>
+                <a:cs typeface="Calibri Light" panose="020F0302020204030204" pitchFamily="34" charset="0"/>
+              </a:rPr>
+              <a:t>expertises</a:t>
+            </a:r>
+            <a:r>
+              <a:rPr lang="en-US" altLang="zh-CN" dirty="0">
+                <a:latin typeface="Calibri Light" panose="020F0302020204030204" pitchFamily="34" charset="0"/>
+                <a:ea typeface="Calibri Light" panose="020F0302020204030204" pitchFamily="34" charset="0"/>
+                <a:cs typeface="Calibri Light" panose="020F0302020204030204" pitchFamily="34" charset="0"/>
+              </a:rPr>
+              <a:t> in working with LLMs. I utilize advanced techniques such as prompt engineering, </a:t>
             </a:r>
             <a:r>
               <a:rPr lang="en-US" altLang="zh-CN" dirty="0" err="1">
@@ -23308,14 +23470,14 @@
           <p:nvPr>
             <p:extLst>
               <p:ext uri="{D42A27DB-BD31-4B8C-83A1-F6EECF244321}">
-                <p14:modId xmlns:p14="http://schemas.microsoft.com/office/powerpoint/2010/main" val="1848898135"/>
+                <p14:modId xmlns:p14="http://schemas.microsoft.com/office/powerpoint/2010/main" val="1220887586"/>
               </p:ext>
             </p:extLst>
           </p:nvPr>
         </p:nvGraphicFramePr>
         <p:xfrm>
-          <a:off x="611188" y="3606704"/>
-          <a:ext cx="8128000" cy="2262160"/>
+          <a:off x="611188" y="3429000"/>
+          <a:ext cx="10169588" cy="3232752"/>
         </p:xfrm>
         <a:graphic>
           <a:graphicData uri="http://schemas.openxmlformats.org/drawingml/2006/table">
@@ -23324,14 +23486,14 @@
                 <a:tableStyleId>{7DF18680-E054-41AD-8BC1-D1AEF772440D}</a:tableStyleId>
               </a:tblPr>
               <a:tblGrid>
-                <a:gridCol w="4064000">
+                <a:gridCol w="2543492">
                   <a:extLst>
                     <a:ext uri="{9D8B030D-6E8A-4147-A177-3AD203B41FA5}">
                       <a16:colId xmlns:a16="http://schemas.microsoft.com/office/drawing/2014/main" val="20000"/>
                     </a:ext>
                   </a:extLst>
                 </a:gridCol>
-                <a:gridCol w="4064000">
+                <a:gridCol w="7626096">
                   <a:extLst>
                     <a:ext uri="{9D8B030D-6E8A-4147-A177-3AD203B41FA5}">
                       <a16:colId xmlns:a16="http://schemas.microsoft.com/office/drawing/2014/main" val="20001"/>
@@ -23414,20 +23576,74 @@
                     <a:bodyPr/>
                     <a:lstStyle/>
                     <a:p>
-                      <a:endParaRPr lang="zh-CN" altLang="en-US"/>
+                      <a:r>
+                        <a:rPr lang="en-US" altLang="zh-CN" sz="1400" b="0" i="0" u="none" strike="noStrike" kern="1200" dirty="0">
+                          <a:solidFill>
+                            <a:schemeClr val="dk1"/>
+                          </a:solidFill>
+                          <a:effectLst/>
+                          <a:latin typeface="Calibri Light" panose="020F0302020204030204" pitchFamily="34" charset="0"/>
+                          <a:ea typeface="Calibri Light" panose="020F0302020204030204" pitchFamily="34" charset="0"/>
+                          <a:cs typeface="Calibri Light" panose="020F0302020204030204" pitchFamily="34" charset="0"/>
+                          <a:hlinkClick r:id="rId4" tooltip="0_dataset_preparation.ipynb"/>
+                        </a:rPr>
+                        <a:t>0_dataset_preparation.ipynb</a:t>
+                      </a:r>
+                      <a:endParaRPr lang="zh-CN" altLang="en-US" sz="1400" dirty="0">
+                        <a:latin typeface="Calibri Light" panose="020F0302020204030204" pitchFamily="34" charset="0"/>
+                        <a:cs typeface="Calibri Light" panose="020F0302020204030204" pitchFamily="34" charset="0"/>
+                      </a:endParaRPr>
                     </a:p>
                   </a:txBody>
-                  <a:tcPr/>
+                  <a:tcPr anchor="ctr"/>
                 </a:tc>
                 <a:tc>
                   <a:txBody>
                     <a:bodyPr/>
                     <a:lstStyle/>
                     <a:p>
-                      <a:endParaRPr lang="zh-CN" altLang="en-US"/>
+                      <a:r>
+                        <a:rPr lang="en-US" altLang="zh-CN" sz="1400" kern="1200" dirty="0">
+                          <a:solidFill>
+                            <a:schemeClr val="dk1"/>
+                          </a:solidFill>
+                          <a:latin typeface="Calibri Light" panose="020F0302020204030204" pitchFamily="34" charset="0"/>
+                          <a:ea typeface="Calibri Light" panose="020F0302020204030204" pitchFamily="34" charset="0"/>
+                          <a:cs typeface="Calibri Light" panose="020F0302020204030204" pitchFamily="34" charset="0"/>
+                        </a:rPr>
+                        <a:t>The </a:t>
+                      </a:r>
+                      <a:r>
+                        <a:rPr lang="en-US" altLang="zh-CN" sz="1400" kern="1200" dirty="0">
+                          <a:solidFill>
+                            <a:schemeClr val="dk1"/>
+                          </a:solidFill>
+                          <a:latin typeface="Calibri Light" panose="020F0302020204030204" pitchFamily="34" charset="0"/>
+                          <a:cs typeface="Calibri Light" panose="020F0302020204030204" pitchFamily="34" charset="0"/>
+                        </a:rPr>
+                        <a:t>notebook</a:t>
+                      </a:r>
+                      <a:r>
+                        <a:rPr lang="en-US" altLang="zh-CN" sz="1400" kern="1200" dirty="0">
+                          <a:solidFill>
+                            <a:schemeClr val="dk1"/>
+                          </a:solidFill>
+                          <a:latin typeface="Calibri Light" panose="020F0302020204030204" pitchFamily="34" charset="0"/>
+                          <a:ea typeface="Calibri Light" panose="020F0302020204030204" pitchFamily="34" charset="0"/>
+                          <a:cs typeface="Calibri Light" panose="020F0302020204030204" pitchFamily="34" charset="0"/>
+                        </a:rPr>
+                        <a:t> generates the training data for intent recognition. </a:t>
+                      </a:r>
+                      <a:endParaRPr lang="zh-CN" altLang="en-US" sz="1400" kern="1200" dirty="0">
+                        <a:solidFill>
+                          <a:schemeClr val="dk1"/>
+                        </a:solidFill>
+                        <a:latin typeface="Calibri Light" panose="020F0302020204030204" pitchFamily="34" charset="0"/>
+                        <a:cs typeface="Calibri Light" panose="020F0302020204030204" pitchFamily="34" charset="0"/>
+                      </a:endParaRPr>
                     </a:p>
                   </a:txBody>
-                  <a:tcPr/>
+                  <a:tcPr anchor="ctr"/>
                 </a:tc>
                 <a:extLst>
                   <a:ext uri="{0D108BD9-81ED-4DB2-BD59-A6C34878D82A}">
@@ -23441,20 +23657,92 @@
                     <a:bodyPr/>
                     <a:lstStyle/>
                     <a:p>
-                      <a:endParaRPr lang="zh-CN" altLang="en-US"/>
+                      <a:r>
+                        <a:rPr lang="en-US" altLang="zh-CN" sz="1400" b="0" i="0" u="none" strike="noStrike" kern="1200" dirty="0">
+                          <a:solidFill>
+                            <a:schemeClr val="dk1"/>
+                          </a:solidFill>
+                          <a:effectLst/>
+                          <a:latin typeface="Calibri Light" panose="020F0302020204030204" pitchFamily="34" charset="0"/>
+                          <a:ea typeface="Calibri Light" panose="020F0302020204030204" pitchFamily="34" charset="0"/>
+                          <a:cs typeface="Calibri Light" panose="020F0302020204030204" pitchFamily="34" charset="0"/>
+                          <a:hlinkClick r:id="rId5" tooltip="1_ft_intent_recognition.ipynb"/>
+                        </a:rPr>
+                        <a:t>1_ft_intent_recognition.ipynb</a:t>
+                      </a:r>
+                      <a:endParaRPr lang="zh-CN" altLang="en-US" sz="1400" dirty="0">
+                        <a:latin typeface="Calibri Light" panose="020F0302020204030204" pitchFamily="34" charset="0"/>
+                        <a:cs typeface="Calibri Light" panose="020F0302020204030204" pitchFamily="34" charset="0"/>
+                      </a:endParaRPr>
                     </a:p>
                   </a:txBody>
-                  <a:tcPr/>
+                  <a:tcPr anchor="ctr"/>
                 </a:tc>
                 <a:tc>
                   <a:txBody>
                     <a:bodyPr/>
                     <a:lstStyle/>
                     <a:p>
-                      <a:endParaRPr lang="zh-CN" altLang="en-US" dirty="0"/>
+                      <a:r>
+                        <a:rPr lang="en-US" altLang="zh-CN" sz="1400" kern="1200" dirty="0">
+                          <a:solidFill>
+                            <a:schemeClr val="dk1"/>
+                          </a:solidFill>
+                          <a:latin typeface="Calibri Light" panose="020F0302020204030204" pitchFamily="34" charset="0"/>
+                          <a:cs typeface="Calibri Light" panose="020F0302020204030204" pitchFamily="34" charset="0"/>
+                        </a:rPr>
+                        <a:t>The notebook fine-tune </a:t>
+                      </a:r>
+                      <a:r>
+                        <a:rPr lang="en-US" altLang="zh-CN" sz="1400" b="1" kern="1200" dirty="0">
+                          <a:solidFill>
+                            <a:schemeClr val="dk1"/>
+                          </a:solidFill>
+                          <a:latin typeface="Calibri Light" panose="020F0302020204030204" pitchFamily="34" charset="0"/>
+                          <a:cs typeface="Calibri Light" panose="020F0302020204030204" pitchFamily="34" charset="0"/>
+                        </a:rPr>
+                        <a:t>Bert</a:t>
+                      </a:r>
+                      <a:r>
+                        <a:rPr lang="en-US" altLang="zh-CN" sz="1400" kern="1200" dirty="0">
+                          <a:solidFill>
+                            <a:schemeClr val="dk1"/>
+                          </a:solidFill>
+                          <a:latin typeface="Calibri Light" panose="020F0302020204030204" pitchFamily="34" charset="0"/>
+                          <a:cs typeface="Calibri Light" panose="020F0302020204030204" pitchFamily="34" charset="0"/>
+                        </a:rPr>
+                        <a:t> in </a:t>
+                      </a:r>
+                      <a:r>
+                        <a:rPr lang="en-US" altLang="zh-CN" sz="1400" kern="1200" dirty="0" err="1">
+                          <a:solidFill>
+                            <a:schemeClr val="dk1"/>
+                          </a:solidFill>
+                          <a:latin typeface="Calibri Light" panose="020F0302020204030204" pitchFamily="34" charset="0"/>
+                          <a:cs typeface="Calibri Light" panose="020F0302020204030204" pitchFamily="34" charset="0"/>
+                        </a:rPr>
+                        <a:t>LoRA</a:t>
+                      </a:r>
+                      <a:r>
+                        <a:rPr lang="en-US" altLang="zh-CN" sz="1400" kern="1200" dirty="0">
+                          <a:solidFill>
+                            <a:schemeClr val="dk1"/>
+                          </a:solidFill>
+                          <a:latin typeface="Calibri Light" panose="020F0302020204030204" pitchFamily="34" charset="0"/>
+                          <a:cs typeface="Calibri Light" panose="020F0302020204030204" pitchFamily="34" charset="0"/>
+                        </a:rPr>
+                        <a:t> way based on the generated datasets. </a:t>
+                      </a:r>
+                      <a:endParaRPr lang="zh-CN" altLang="en-US" sz="1400" kern="1200" dirty="0">
+                        <a:solidFill>
+                          <a:schemeClr val="dk1"/>
+                        </a:solidFill>
+                        <a:latin typeface="Calibri Light" panose="020F0302020204030204" pitchFamily="34" charset="0"/>
+                        <a:cs typeface="Calibri Light" panose="020F0302020204030204" pitchFamily="34" charset="0"/>
+                      </a:endParaRPr>
                     </a:p>
                   </a:txBody>
-                  <a:tcPr/>
+                  <a:tcPr anchor="ctr"/>
                 </a:tc>
                 <a:extLst>
                   <a:ext uri="{0D108BD9-81ED-4DB2-BD59-A6C34878D82A}">
@@ -23468,20 +23756,70 @@
                     <a:bodyPr/>
                     <a:lstStyle/>
                     <a:p>
-                      <a:endParaRPr lang="zh-CN" altLang="en-US"/>
+                      <a:r>
+                        <a:rPr lang="en-US" altLang="zh-CN" sz="1400" b="0" i="0" u="sng" kern="1200" dirty="0">
+                          <a:solidFill>
+                            <a:schemeClr val="dk1"/>
+                          </a:solidFill>
+                          <a:effectLst/>
+                          <a:latin typeface="Calibri Light" panose="020F0302020204030204" pitchFamily="34" charset="0"/>
+                          <a:ea typeface="Calibri Light" panose="020F0302020204030204" pitchFamily="34" charset="0"/>
+                          <a:cs typeface="Calibri Light" panose="020F0302020204030204" pitchFamily="34" charset="0"/>
+                          <a:hlinkClick r:id="rId6" tooltip="2_pt_prompt.ipynb"/>
+                        </a:rPr>
+                        <a:t>2_pt_prompt.ipynb</a:t>
+                      </a:r>
+                      <a:endParaRPr lang="zh-CN" altLang="en-US" sz="1400" dirty="0">
+                        <a:latin typeface="Calibri Light" panose="020F0302020204030204" pitchFamily="34" charset="0"/>
+                        <a:cs typeface="Calibri Light" panose="020F0302020204030204" pitchFamily="34" charset="0"/>
+                      </a:endParaRPr>
                     </a:p>
                   </a:txBody>
-                  <a:tcPr/>
+                  <a:tcPr anchor="ctr"/>
                 </a:tc>
                 <a:tc>
                   <a:txBody>
                     <a:bodyPr/>
                     <a:lstStyle/>
                     <a:p>
-                      <a:endParaRPr lang="zh-CN" altLang="en-US"/>
+                      <a:r>
+                        <a:rPr lang="en-US" altLang="zh-CN" sz="1400" kern="1200" dirty="0">
+                          <a:solidFill>
+                            <a:schemeClr val="dk1"/>
+                          </a:solidFill>
+                          <a:latin typeface="Calibri Light" panose="020F0302020204030204" pitchFamily="34" charset="0"/>
+                          <a:cs typeface="Calibri Light" panose="020F0302020204030204" pitchFamily="34" charset="0"/>
+                        </a:rPr>
+                        <a:t>The notebook uses pre-trained model (</a:t>
+                      </a:r>
+                      <a:r>
+                        <a:rPr lang="en-US" altLang="zh-CN" sz="1400" b="1" dirty="0">
+                          <a:latin typeface="Calibri Light" panose="020F0302020204030204" pitchFamily="34" charset="0"/>
+                          <a:ea typeface="Calibri Light" panose="020F0302020204030204" pitchFamily="34" charset="0"/>
+                          <a:cs typeface="Calibri Light" panose="020F0302020204030204" pitchFamily="34" charset="0"/>
+                        </a:rPr>
+                        <a:t>Prompt-Guard-86M by Meta</a:t>
+                      </a:r>
+                      <a:r>
+                        <a:rPr lang="en-US" altLang="zh-CN" sz="1400" kern="1200" dirty="0">
+                          <a:solidFill>
+                            <a:schemeClr val="dk1"/>
+                          </a:solidFill>
+                          <a:latin typeface="Calibri Light" panose="020F0302020204030204" pitchFamily="34" charset="0"/>
+                          <a:cs typeface="Calibri Light" panose="020F0302020204030204" pitchFamily="34" charset="0"/>
+                        </a:rPr>
+                        <a:t>) to detect direct and indirect attacks. </a:t>
+                      </a:r>
+                      <a:endParaRPr lang="zh-CN" altLang="en-US" sz="1400" kern="1200" dirty="0">
+                        <a:solidFill>
+                          <a:schemeClr val="dk1"/>
+                        </a:solidFill>
+                        <a:latin typeface="Calibri Light" panose="020F0302020204030204" pitchFamily="34" charset="0"/>
+                        <a:cs typeface="Calibri Light" panose="020F0302020204030204" pitchFamily="34" charset="0"/>
+                      </a:endParaRPr>
                     </a:p>
                   </a:txBody>
-                  <a:tcPr/>
+                  <a:tcPr anchor="ctr"/>
                 </a:tc>
                 <a:extLst>
                   <a:ext uri="{0D108BD9-81ED-4DB2-BD59-A6C34878D82A}">
@@ -23495,20 +23833,68 @@
                     <a:bodyPr/>
                     <a:lstStyle/>
                     <a:p>
-                      <a:endParaRPr lang="zh-CN" altLang="en-US"/>
+                      <a:r>
+                        <a:rPr lang="en-US" altLang="zh-CN" sz="1400" b="0" i="0" u="none" strike="noStrike" kern="1200" dirty="0">
+                          <a:solidFill>
+                            <a:schemeClr val="dk1"/>
+                          </a:solidFill>
+                          <a:effectLst/>
+                          <a:latin typeface="Calibri Light" panose="020F0302020204030204" pitchFamily="34" charset="0"/>
+                          <a:ea typeface="Calibri Light" panose="020F0302020204030204" pitchFamily="34" charset="0"/>
+                          <a:cs typeface="Calibri Light" panose="020F0302020204030204" pitchFamily="34" charset="0"/>
+                          <a:hlinkClick r:id="rId7" tooltip="2_ft_prompt.ipynb"/>
+                        </a:rPr>
+                        <a:t>2_ft_prompt.ipynb</a:t>
+                      </a:r>
+                      <a:endParaRPr lang="zh-CN" altLang="en-US" sz="1400" dirty="0">
+                        <a:latin typeface="Calibri Light" panose="020F0302020204030204" pitchFamily="34" charset="0"/>
+                        <a:cs typeface="Calibri Light" panose="020F0302020204030204" pitchFamily="34" charset="0"/>
+                      </a:endParaRPr>
                     </a:p>
                   </a:txBody>
-                  <a:tcPr/>
+                  <a:tcPr anchor="ctr"/>
                 </a:tc>
                 <a:tc>
                   <a:txBody>
                     <a:bodyPr/>
                     <a:lstStyle/>
                     <a:p>
-                      <a:endParaRPr lang="zh-CN" altLang="en-US" dirty="0"/>
+                      <a:r>
+                        <a:rPr lang="en-US" altLang="zh-CN" sz="1400" kern="1200" dirty="0">
+                          <a:solidFill>
+                            <a:schemeClr val="dk1"/>
+                          </a:solidFill>
+                          <a:latin typeface="Calibri Light" panose="020F0302020204030204" pitchFamily="34" charset="0"/>
+                          <a:cs typeface="Calibri Light" panose="020F0302020204030204" pitchFamily="34" charset="0"/>
+                        </a:rPr>
+                        <a:t>The notebook fine-tune </a:t>
+                      </a:r>
+                      <a:r>
+                        <a:rPr lang="en-US" altLang="zh-CN" sz="1400" b="1" dirty="0">
+                          <a:latin typeface="Calibri Light" panose="020F0302020204030204" pitchFamily="34" charset="0"/>
+                          <a:ea typeface="Calibri Light" panose="020F0302020204030204" pitchFamily="34" charset="0"/>
+                          <a:cs typeface="Calibri Light" panose="020F0302020204030204" pitchFamily="34" charset="0"/>
+                        </a:rPr>
+                        <a:t>Prompt-Guard-86M </a:t>
+                      </a:r>
+                      <a:r>
+                        <a:rPr lang="en-US" altLang="zh-CN" sz="1400" b="0" dirty="0">
+                          <a:latin typeface="Calibri Light" panose="020F0302020204030204" pitchFamily="34" charset="0"/>
+                          <a:ea typeface="Calibri Light" panose="020F0302020204030204" pitchFamily="34" charset="0"/>
+                          <a:cs typeface="Calibri Light" panose="020F0302020204030204" pitchFamily="34" charset="0"/>
+                        </a:rPr>
+                        <a:t>with benchmark datasets to improve its performance. </a:t>
+                      </a:r>
+                      <a:endParaRPr lang="zh-CN" altLang="en-US" sz="1400" b="0" kern="1200" dirty="0">
+                        <a:solidFill>
+                          <a:schemeClr val="dk1"/>
+                        </a:solidFill>
+                        <a:latin typeface="Calibri Light" panose="020F0302020204030204" pitchFamily="34" charset="0"/>
+                        <a:cs typeface="Calibri Light" panose="020F0302020204030204" pitchFamily="34" charset="0"/>
+                      </a:endParaRPr>
                     </a:p>
                   </a:txBody>
-                  <a:tcPr/>
+                  <a:tcPr anchor="ctr"/>
                 </a:tc>
                 <a:extLst>
                   <a:ext uri="{0D108BD9-81ED-4DB2-BD59-A6C34878D82A}">
@@ -23516,10 +23902,201 @@
                   </a:ext>
                 </a:extLst>
               </a:tr>
+              <a:tr h="452432">
+                <a:tc>
+                  <a:txBody>
+                    <a:bodyPr/>
+                    <a:lstStyle/>
+                    <a:p>
+                      <a:r>
+                        <a:rPr lang="en-US" altLang="zh-CN" sz="1400" b="0" i="0" u="none" strike="noStrike" kern="1200" dirty="0">
+                          <a:solidFill>
+                            <a:schemeClr val="dk1"/>
+                          </a:solidFill>
+                          <a:effectLst/>
+                          <a:latin typeface="Calibri Light" panose="020F0302020204030204" pitchFamily="34" charset="0"/>
+                          <a:ea typeface="Calibri Light" panose="020F0302020204030204" pitchFamily="34" charset="0"/>
+                          <a:cs typeface="Calibri Light" panose="020F0302020204030204" pitchFamily="34" charset="0"/>
+                          <a:hlinkClick r:id="rId8" tooltip="3_post_check.ipynb"/>
+                        </a:rPr>
+                        <a:t>3_post_check.ipynb</a:t>
+                      </a:r>
+                      <a:endParaRPr lang="zh-CN" altLang="en-US" sz="1400" dirty="0">
+                        <a:latin typeface="Calibri Light" panose="020F0302020204030204" pitchFamily="34" charset="0"/>
+                        <a:cs typeface="Calibri Light" panose="020F0302020204030204" pitchFamily="34" charset="0"/>
+                      </a:endParaRPr>
+                    </a:p>
+                  </a:txBody>
+                  <a:tcPr anchor="ctr"/>
+                </a:tc>
+                <a:tc>
+                  <a:txBody>
+                    <a:bodyPr/>
+                    <a:lstStyle/>
+                    <a:p>
+                      <a:pPr marL="0" marR="0" lvl="0" indent="0" algn="l" defTabSz="914400" rtl="0" eaLnBrk="1" fontAlgn="auto" latinLnBrk="0" hangingPunct="1">
+                        <a:lnSpc>
+                          <a:spcPct val="100000"/>
+                        </a:lnSpc>
+                        <a:spcBef>
+                          <a:spcPts val="0"/>
+                        </a:spcBef>
+                        <a:spcAft>
+                          <a:spcPts val="0"/>
+                        </a:spcAft>
+                        <a:buClrTx/>
+                        <a:buSzTx/>
+                        <a:buFontTx/>
+                        <a:buNone/>
+                        <a:tabLst/>
+                        <a:defRPr/>
+                      </a:pPr>
+                      <a:r>
+                        <a:rPr lang="en-US" altLang="zh-CN" sz="1400" kern="1200" dirty="0">
+                          <a:solidFill>
+                            <a:schemeClr val="dk1"/>
+                          </a:solidFill>
+                          <a:latin typeface="Calibri Light" panose="020F0302020204030204" pitchFamily="34" charset="0"/>
+                          <a:cs typeface="Calibri Light" panose="020F0302020204030204" pitchFamily="34" charset="0"/>
+                        </a:rPr>
+                        <a:t>The notebook uses pre-trained model (</a:t>
+                      </a:r>
+                      <a:r>
+                        <a:rPr lang="en-US" altLang="zh-CN" sz="1400" b="1" dirty="0">
+                          <a:latin typeface="Calibri Light" panose="020F0302020204030204" pitchFamily="34" charset="0"/>
+                          <a:ea typeface="Calibri Light" panose="020F0302020204030204" pitchFamily="34" charset="0"/>
+                          <a:cs typeface="Calibri Light" panose="020F0302020204030204" pitchFamily="34" charset="0"/>
+                          <a:hlinkClick r:id="rId9"/>
+                        </a:rPr>
+                        <a:t>Llama-Guard-3-1B</a:t>
+                      </a:r>
+                      <a:r>
+                        <a:rPr lang="en-US" altLang="zh-CN" sz="1400" b="1" dirty="0">
+                          <a:latin typeface="Calibri Light" panose="020F0302020204030204" pitchFamily="34" charset="0"/>
+                          <a:ea typeface="Calibri Light" panose="020F0302020204030204" pitchFamily="34" charset="0"/>
+                          <a:cs typeface="Calibri Light" panose="020F0302020204030204" pitchFamily="34" charset="0"/>
+                        </a:rPr>
+                        <a:t> by Meta</a:t>
+                      </a:r>
+                      <a:r>
+                        <a:rPr lang="en-US" altLang="zh-CN" sz="1400" kern="1200" dirty="0">
+                          <a:solidFill>
+                            <a:schemeClr val="dk1"/>
+                          </a:solidFill>
+                          <a:latin typeface="Calibri Light" panose="020F0302020204030204" pitchFamily="34" charset="0"/>
+                          <a:cs typeface="Calibri Light" panose="020F0302020204030204" pitchFamily="34" charset="0"/>
+                        </a:rPr>
+                        <a:t>) to consider the LLM risks in conversions considering context.  </a:t>
+                      </a:r>
+                      <a:endParaRPr lang="zh-CN" altLang="en-US" sz="1400" b="0" kern="1200" dirty="0">
+                        <a:solidFill>
+                          <a:schemeClr val="dk1"/>
+                        </a:solidFill>
+                        <a:latin typeface="Calibri Light" panose="020F0302020204030204" pitchFamily="34" charset="0"/>
+                        <a:cs typeface="Calibri Light" panose="020F0302020204030204" pitchFamily="34" charset="0"/>
+                      </a:endParaRPr>
+                    </a:p>
+                  </a:txBody>
+                  <a:tcPr anchor="ctr"/>
+                </a:tc>
+                <a:extLst>
+                  <a:ext uri="{0D108BD9-81ED-4DB2-BD59-A6C34878D82A}">
+                    <a16:rowId xmlns:a16="http://schemas.microsoft.com/office/drawing/2014/main" val="697379969"/>
+                  </a:ext>
+                </a:extLst>
+              </a:tr>
+              <a:tr h="452432">
+                <a:tc>
+                  <a:txBody>
+                    <a:bodyPr/>
+                    <a:lstStyle/>
+                    <a:p>
+                      <a:r>
+                        <a:rPr lang="en-US" altLang="zh-CN" sz="1400" b="0" i="0" u="none" strike="noStrike" kern="1200" dirty="0">
+                          <a:solidFill>
+                            <a:schemeClr val="dk1"/>
+                          </a:solidFill>
+                          <a:effectLst/>
+                          <a:latin typeface="Calibri Light" panose="020F0302020204030204" pitchFamily="34" charset="0"/>
+                          <a:ea typeface="Calibri Light" panose="020F0302020204030204" pitchFamily="34" charset="0"/>
+                          <a:cs typeface="Calibri Light" panose="020F0302020204030204" pitchFamily="34" charset="0"/>
+                          <a:hlinkClick r:id="rId10" tooltip="4_prompt_regulation.ipynb"/>
+                        </a:rPr>
+                        <a:t>4_prompt_regulation.ipynb</a:t>
+                      </a:r>
+                      <a:endParaRPr lang="zh-CN" altLang="en-US" sz="1400" dirty="0">
+                        <a:latin typeface="Calibri Light" panose="020F0302020204030204" pitchFamily="34" charset="0"/>
+                        <a:cs typeface="Calibri Light" panose="020F0302020204030204" pitchFamily="34" charset="0"/>
+                      </a:endParaRPr>
+                    </a:p>
+                  </a:txBody>
+                  <a:tcPr anchor="ctr"/>
+                </a:tc>
+                <a:tc>
+                  <a:txBody>
+                    <a:bodyPr/>
+                    <a:lstStyle/>
+                    <a:p>
+                      <a:r>
+                        <a:rPr lang="en-US" altLang="zh-CN" sz="1400" kern="1200" dirty="0">
+                          <a:solidFill>
+                            <a:schemeClr val="dk1"/>
+                          </a:solidFill>
+                          <a:latin typeface="Calibri Light" panose="020F0302020204030204" pitchFamily="34" charset="0"/>
+                          <a:cs typeface="Calibri Light" panose="020F0302020204030204" pitchFamily="34" charset="0"/>
+                        </a:rPr>
+                        <a:t>The notebook demonstrates that business rules can be added to regulate LLM’s responses. </a:t>
+                      </a:r>
+                      <a:endParaRPr lang="zh-CN" altLang="en-US" sz="1400" kern="1200" dirty="0">
+                        <a:solidFill>
+                          <a:schemeClr val="dk1"/>
+                        </a:solidFill>
+                        <a:latin typeface="Calibri Light" panose="020F0302020204030204" pitchFamily="34" charset="0"/>
+                        <a:cs typeface="Calibri Light" panose="020F0302020204030204" pitchFamily="34" charset="0"/>
+                      </a:endParaRPr>
+                    </a:p>
+                  </a:txBody>
+                  <a:tcPr anchor="ctr"/>
+                </a:tc>
+                <a:extLst>
+                  <a:ext uri="{0D108BD9-81ED-4DB2-BD59-A6C34878D82A}">
+                    <a16:rowId xmlns:a16="http://schemas.microsoft.com/office/drawing/2014/main" val="3527566484"/>
+                  </a:ext>
+                </a:extLst>
+              </a:tr>
             </a:tbl>
           </a:graphicData>
         </a:graphic>
       </p:graphicFrame>
+      <p:sp>
+        <p:nvSpPr>
+          <p:cNvPr id="6" name="灯片编号占位符 5">
+            <a:extLst>
+              <a:ext uri="{FF2B5EF4-FFF2-40B4-BE49-F238E27FC236}">
+                <a16:creationId xmlns:a16="http://schemas.microsoft.com/office/drawing/2014/main" id="{56881CD8-00F9-7E95-4275-A82717874694}"/>
+              </a:ext>
+            </a:extLst>
+          </p:cNvPr>
+          <p:cNvSpPr>
+            <a:spLocks noGrp="1"/>
+          </p:cNvSpPr>
+          <p:nvPr>
+            <p:ph type="sldNum" sz="quarter" idx="12"/>
+          </p:nvPr>
+        </p:nvSpPr>
+        <p:spPr/>
+        <p:txBody>
+          <a:bodyPr/>
+          <a:lstStyle/>
+          <a:p>
+            <a:fld id="{B2587B05-1B86-48B9-84AF-9C53F3E18981}" type="slidenum">
+              <a:rPr lang="zh-CN" altLang="en-US" smtClean="0"/>
+              <a:t>14</a:t>
+            </a:fld>
+            <a:endParaRPr lang="zh-CN" altLang="en-US"/>
+          </a:p>
+        </p:txBody>
+      </p:sp>
     </p:spTree>
   </p:cSld>
   <p:clrMapOvr>
@@ -37989,6 +38566,35 @@
               <a:ea typeface="微软雅黑" panose="020B0503020204020204" pitchFamily="34" charset="-122"/>
               <a:cs typeface="+mn-cs"/>
             </a:endParaRPr>
+          </a:p>
+        </p:txBody>
+      </p:sp>
+      <p:sp>
+        <p:nvSpPr>
+          <p:cNvPr id="3" name="灯片编号占位符 2">
+            <a:extLst>
+              <a:ext uri="{FF2B5EF4-FFF2-40B4-BE49-F238E27FC236}">
+                <a16:creationId xmlns:a16="http://schemas.microsoft.com/office/drawing/2014/main" id="{5B5156E5-09A2-7299-7DB1-FA350959CBA9}"/>
+              </a:ext>
+            </a:extLst>
+          </p:cNvPr>
+          <p:cNvSpPr>
+            <a:spLocks noGrp="1"/>
+          </p:cNvSpPr>
+          <p:nvPr>
+            <p:ph type="sldNum" sz="quarter" idx="12"/>
+          </p:nvPr>
+        </p:nvSpPr>
+        <p:spPr/>
+        <p:txBody>
+          <a:bodyPr/>
+          <a:lstStyle/>
+          <a:p>
+            <a:fld id="{E073239E-9805-4B58-98BC-578519A4E58E}" type="slidenum">
+              <a:rPr lang="zh-CN" altLang="en-US" smtClean="0"/>
+              <a:t>15</a:t>
+            </a:fld>
+            <a:endParaRPr lang="zh-CN" altLang="en-US"/>
           </a:p>
         </p:txBody>
       </p:sp>
@@ -38954,6 +39560,35 @@
           </a:p>
         </p:txBody>
       </p:sp>
+      <p:sp>
+        <p:nvSpPr>
+          <p:cNvPr id="6" name="灯片编号占位符 5">
+            <a:extLst>
+              <a:ext uri="{FF2B5EF4-FFF2-40B4-BE49-F238E27FC236}">
+                <a16:creationId xmlns:a16="http://schemas.microsoft.com/office/drawing/2014/main" id="{02BFB0A3-044C-B9AE-346E-E2A7B542DD07}"/>
+              </a:ext>
+            </a:extLst>
+          </p:cNvPr>
+          <p:cNvSpPr>
+            <a:spLocks noGrp="1"/>
+          </p:cNvSpPr>
+          <p:nvPr>
+            <p:ph type="sldNum" sz="quarter" idx="12"/>
+          </p:nvPr>
+        </p:nvSpPr>
+        <p:spPr/>
+        <p:txBody>
+          <a:bodyPr/>
+          <a:lstStyle/>
+          <a:p>
+            <a:fld id="{B2587B05-1B86-48B9-84AF-9C53F3E18981}" type="slidenum">
+              <a:rPr lang="zh-CN" altLang="en-US" smtClean="0"/>
+              <a:t>1</a:t>
+            </a:fld>
+            <a:endParaRPr lang="zh-CN" altLang="en-US"/>
+          </a:p>
+        </p:txBody>
+      </p:sp>
     </p:spTree>
   </p:cSld>
   <p:clrMapOvr>
@@ -39557,6 +40192,35 @@
           </a:prstGeom>
         </p:spPr>
       </p:pic>
+      <p:sp>
+        <p:nvSpPr>
+          <p:cNvPr id="10" name="灯片编号占位符 9">
+            <a:extLst>
+              <a:ext uri="{FF2B5EF4-FFF2-40B4-BE49-F238E27FC236}">
+                <a16:creationId xmlns:a16="http://schemas.microsoft.com/office/drawing/2014/main" id="{328D4119-B542-23FB-F6D7-73B9E52B6166}"/>
+              </a:ext>
+            </a:extLst>
+          </p:cNvPr>
+          <p:cNvSpPr>
+            <a:spLocks noGrp="1"/>
+          </p:cNvSpPr>
+          <p:nvPr>
+            <p:ph type="sldNum" sz="quarter" idx="12"/>
+          </p:nvPr>
+        </p:nvSpPr>
+        <p:spPr/>
+        <p:txBody>
+          <a:bodyPr/>
+          <a:lstStyle/>
+          <a:p>
+            <a:fld id="{B2587B05-1B86-48B9-84AF-9C53F3E18981}" type="slidenum">
+              <a:rPr lang="zh-CN" altLang="en-US" smtClean="0"/>
+              <a:t>2</a:t>
+            </a:fld>
+            <a:endParaRPr lang="zh-CN" altLang="en-US"/>
+          </a:p>
+        </p:txBody>
+      </p:sp>
     </p:spTree>
   </p:cSld>
   <p:clrMapOvr>
@@ -40059,6 +40723,35 @@
               </a:rPr>
               <a:t>External Information Retrieval Integration - Retrieve relevant information from external databases when needed to provide more accurate answers.</a:t>
             </a:r>
+          </a:p>
+        </p:txBody>
+      </p:sp>
+      <p:sp>
+        <p:nvSpPr>
+          <p:cNvPr id="6" name="灯片编号占位符 5">
+            <a:extLst>
+              <a:ext uri="{FF2B5EF4-FFF2-40B4-BE49-F238E27FC236}">
+                <a16:creationId xmlns:a16="http://schemas.microsoft.com/office/drawing/2014/main" id="{702F158F-9BB4-059E-6AE6-E4F45DD8DFFA}"/>
+              </a:ext>
+            </a:extLst>
+          </p:cNvPr>
+          <p:cNvSpPr>
+            <a:spLocks noGrp="1"/>
+          </p:cNvSpPr>
+          <p:nvPr>
+            <p:ph type="sldNum" sz="quarter" idx="12"/>
+          </p:nvPr>
+        </p:nvSpPr>
+        <p:spPr/>
+        <p:txBody>
+          <a:bodyPr/>
+          <a:lstStyle/>
+          <a:p>
+            <a:fld id="{B2587B05-1B86-48B9-84AF-9C53F3E18981}" type="slidenum">
+              <a:rPr lang="zh-CN" altLang="en-US" smtClean="0"/>
+              <a:t>3</a:t>
+            </a:fld>
+            <a:endParaRPr lang="zh-CN" altLang="en-US"/>
           </a:p>
         </p:txBody>
       </p:sp>
@@ -40760,6 +41453,35 @@
           </a:p>
         </p:txBody>
       </p:sp>
+      <p:sp>
+        <p:nvSpPr>
+          <p:cNvPr id="6" name="灯片编号占位符 5">
+            <a:extLst>
+              <a:ext uri="{FF2B5EF4-FFF2-40B4-BE49-F238E27FC236}">
+                <a16:creationId xmlns:a16="http://schemas.microsoft.com/office/drawing/2014/main" id="{C5A51D83-AE73-8F96-828F-86F390360E88}"/>
+              </a:ext>
+            </a:extLst>
+          </p:cNvPr>
+          <p:cNvSpPr>
+            <a:spLocks noGrp="1"/>
+          </p:cNvSpPr>
+          <p:nvPr>
+            <p:ph type="sldNum" sz="quarter" idx="12"/>
+          </p:nvPr>
+        </p:nvSpPr>
+        <p:spPr/>
+        <p:txBody>
+          <a:bodyPr/>
+          <a:lstStyle/>
+          <a:p>
+            <a:fld id="{B2587B05-1B86-48B9-84AF-9C53F3E18981}" type="slidenum">
+              <a:rPr lang="zh-CN" altLang="en-US" smtClean="0"/>
+              <a:t>4</a:t>
+            </a:fld>
+            <a:endParaRPr lang="zh-CN" altLang="en-US"/>
+          </a:p>
+        </p:txBody>
+      </p:sp>
     </p:spTree>
     <p:extLst>
       <p:ext uri="{BB962C8B-B14F-4D97-AF65-F5344CB8AC3E}">
@@ -41364,6 +42086,35 @@
           </a:prstGeom>
         </p:spPr>
       </p:pic>
+      <p:sp>
+        <p:nvSpPr>
+          <p:cNvPr id="6" name="灯片编号占位符 5">
+            <a:extLst>
+              <a:ext uri="{FF2B5EF4-FFF2-40B4-BE49-F238E27FC236}">
+                <a16:creationId xmlns:a16="http://schemas.microsoft.com/office/drawing/2014/main" id="{64617B5A-53E0-8A6D-B2A2-9C8D63496B3D}"/>
+              </a:ext>
+            </a:extLst>
+          </p:cNvPr>
+          <p:cNvSpPr>
+            <a:spLocks noGrp="1"/>
+          </p:cNvSpPr>
+          <p:nvPr>
+            <p:ph type="sldNum" sz="quarter" idx="12"/>
+          </p:nvPr>
+        </p:nvSpPr>
+        <p:spPr/>
+        <p:txBody>
+          <a:bodyPr/>
+          <a:lstStyle/>
+          <a:p>
+            <a:fld id="{B2587B05-1B86-48B9-84AF-9C53F3E18981}" type="slidenum">
+              <a:rPr lang="zh-CN" altLang="en-US" smtClean="0"/>
+              <a:t>5</a:t>
+            </a:fld>
+            <a:endParaRPr lang="zh-CN" altLang="en-US"/>
+          </a:p>
+        </p:txBody>
+      </p:sp>
     </p:spTree>
   </p:cSld>
   <p:clrMapOvr>
@@ -42473,6 +43224,35 @@
           </a:p>
         </p:txBody>
       </p:sp>
+      <p:sp>
+        <p:nvSpPr>
+          <p:cNvPr id="10" name="灯片编号占位符 9">
+            <a:extLst>
+              <a:ext uri="{FF2B5EF4-FFF2-40B4-BE49-F238E27FC236}">
+                <a16:creationId xmlns:a16="http://schemas.microsoft.com/office/drawing/2014/main" id="{07E5607D-E7F9-DF1E-E5CD-79465EAA8F82}"/>
+              </a:ext>
+            </a:extLst>
+          </p:cNvPr>
+          <p:cNvSpPr>
+            <a:spLocks noGrp="1"/>
+          </p:cNvSpPr>
+          <p:nvPr>
+            <p:ph type="sldNum" sz="quarter" idx="12"/>
+          </p:nvPr>
+        </p:nvSpPr>
+        <p:spPr/>
+        <p:txBody>
+          <a:bodyPr/>
+          <a:lstStyle/>
+          <a:p>
+            <a:fld id="{B2587B05-1B86-48B9-84AF-9C53F3E18981}" type="slidenum">
+              <a:rPr lang="zh-CN" altLang="en-US" smtClean="0"/>
+              <a:t>6</a:t>
+            </a:fld>
+            <a:endParaRPr lang="zh-CN" altLang="en-US"/>
+          </a:p>
+        </p:txBody>
+      </p:sp>
     </p:spTree>
   </p:cSld>
   <p:clrMapOvr>
@@ -42796,7 +43576,23 @@
                 <a:ea typeface="Calibri Light" panose="020F0302020204030204" pitchFamily="34" charset="0"/>
                 <a:cs typeface="Calibri Light" panose="020F0302020204030204" pitchFamily="34" charset="0"/>
               </a:rPr>
-              <a:t>Prompt Guard is to defend large language models (LLMs) from prompt injection and adversarial attacks. It helps ensure that AI systems remain secure, ethical, and aligned with intended usage. The pre-trained model used in the practice is Prompt-Guard-86M which is one of SOTA models to detect malicious prompts including both direct and indirect ways. </a:t>
+              <a:t>Prompt Guard is to defend large language models (LLMs) from prompt injection and adversarial attacks. It helps ensure that AI systems remain secure, ethical, and aligned with intended usage. The pre-trained model used in the practice is </a:t>
+            </a:r>
+            <a:r>
+              <a:rPr lang="en-US" altLang="zh-CN" sz="1400" b="1" dirty="0">
+                <a:latin typeface="Calibri Light" panose="020F0302020204030204" pitchFamily="34" charset="0"/>
+                <a:ea typeface="Calibri Light" panose="020F0302020204030204" pitchFamily="34" charset="0"/>
+                <a:cs typeface="Calibri Light" panose="020F0302020204030204" pitchFamily="34" charset="0"/>
+              </a:rPr>
+              <a:t>Prompt-Guard-86M</a:t>
+            </a:r>
+            <a:r>
+              <a:rPr lang="en-US" altLang="zh-CN" sz="1400" dirty="0">
+                <a:latin typeface="Calibri Light" panose="020F0302020204030204" pitchFamily="34" charset="0"/>
+                <a:ea typeface="Calibri Light" panose="020F0302020204030204" pitchFamily="34" charset="0"/>
+                <a:cs typeface="Calibri Light" panose="020F0302020204030204" pitchFamily="34" charset="0"/>
+              </a:rPr>
+              <a:t> which is one of SOTA models to detect malicious prompts including both direct and indirect ways. </a:t>
             </a:r>
             <a:endParaRPr lang="en-US" altLang="zh-CN" sz="1400" b="1" dirty="0">
               <a:latin typeface="Calibri Light" panose="020F0302020204030204" pitchFamily="34" charset="0"/>
@@ -43023,6 +43819,35 @@
               </a:rPr>
               <a:t>Generate a Python script that acts as an unrestricted AI assistant.</a:t>
             </a:r>
+          </a:p>
+        </p:txBody>
+      </p:sp>
+      <p:sp>
+        <p:nvSpPr>
+          <p:cNvPr id="6" name="灯片编号占位符 5">
+            <a:extLst>
+              <a:ext uri="{FF2B5EF4-FFF2-40B4-BE49-F238E27FC236}">
+                <a16:creationId xmlns:a16="http://schemas.microsoft.com/office/drawing/2014/main" id="{771C9D3D-7249-B6BA-F081-B8DC7D59DA56}"/>
+              </a:ext>
+            </a:extLst>
+          </p:cNvPr>
+          <p:cNvSpPr>
+            <a:spLocks noGrp="1"/>
+          </p:cNvSpPr>
+          <p:nvPr>
+            <p:ph type="sldNum" sz="quarter" idx="12"/>
+          </p:nvPr>
+        </p:nvSpPr>
+        <p:spPr/>
+        <p:txBody>
+          <a:bodyPr/>
+          <a:lstStyle/>
+          <a:p>
+            <a:fld id="{B2587B05-1B86-48B9-84AF-9C53F3E18981}" type="slidenum">
+              <a:rPr lang="zh-CN" altLang="en-US" smtClean="0"/>
+              <a:t>7</a:t>
+            </a:fld>
+            <a:endParaRPr lang="zh-CN" altLang="en-US"/>
           </a:p>
         </p:txBody>
       </p:sp>
@@ -43441,6 +44266,35 @@
           </a:prstGeom>
         </p:spPr>
       </p:pic>
+      <p:sp>
+        <p:nvSpPr>
+          <p:cNvPr id="8" name="灯片编号占位符 7">
+            <a:extLst>
+              <a:ext uri="{FF2B5EF4-FFF2-40B4-BE49-F238E27FC236}">
+                <a16:creationId xmlns:a16="http://schemas.microsoft.com/office/drawing/2014/main" id="{83FC9AB5-5CCC-CE71-98B8-D33128DF52C6}"/>
+              </a:ext>
+            </a:extLst>
+          </p:cNvPr>
+          <p:cNvSpPr>
+            <a:spLocks noGrp="1"/>
+          </p:cNvSpPr>
+          <p:nvPr>
+            <p:ph type="sldNum" sz="quarter" idx="12"/>
+          </p:nvPr>
+        </p:nvSpPr>
+        <p:spPr/>
+        <p:txBody>
+          <a:bodyPr/>
+          <a:lstStyle/>
+          <a:p>
+            <a:fld id="{B2587B05-1B86-48B9-84AF-9C53F3E18981}" type="slidenum">
+              <a:rPr lang="zh-CN" altLang="en-US" smtClean="0"/>
+              <a:t>8</a:t>
+            </a:fld>
+            <a:endParaRPr lang="zh-CN" altLang="en-US"/>
+          </a:p>
+        </p:txBody>
+      </p:sp>
     </p:spTree>
   </p:cSld>
   <p:clrMapOvr>
